--- a/2024年/周报20241122.pptx
+++ b/2024年/周报20241122.pptx
@@ -10,13 +10,14 @@
   <p:sldIdLst>
     <p:sldId id="256" r:id="rId3"/>
     <p:sldId id="317" r:id="rId4"/>
-    <p:sldId id="312" r:id="rId6"/>
-    <p:sldId id="316" r:id="rId7"/>
+    <p:sldId id="320" r:id="rId6"/>
+    <p:sldId id="321" r:id="rId7"/>
+    <p:sldId id="312" r:id="rId8"/>
   </p:sldIdLst>
   <p:sldSz cx="21673820" cy="12192000"/>
   <p:notesSz cx="6858000" cy="9144000"/>
   <p:custDataLst>
-    <p:tags r:id="rId11"/>
+    <p:tags r:id="rId12"/>
   </p:custDataLst>
   <p:defaultTextStyle>
     <a:defPPr>
@@ -620,6 +621,84 @@
 </file>
 
 <file path=ppt/notesSlides/notesSlide3.xml><?xml version="1.0" encoding="utf-8"?>
+<p:notes xmlns:a="http://schemas.openxmlformats.org/drawingml/2006/main" xmlns:r="http://schemas.openxmlformats.org/officeDocument/2006/relationships" xmlns:p="http://schemas.openxmlformats.org/presentationml/2006/main">
+  <p:cSld>
+    <p:spTree>
+      <p:nvGrpSpPr>
+        <p:cNvPr id="1" name=""/>
+        <p:cNvGrpSpPr/>
+        <p:nvPr/>
+      </p:nvGrpSpPr>
+      <p:grpSpPr>
+        <a:xfrm>
+          <a:off x="0" y="0"/>
+          <a:ext cx="0" cy="0"/>
+          <a:chOff x="0" y="0"/>
+          <a:chExt cx="0" cy="0"/>
+        </a:xfrm>
+      </p:grpSpPr>
+      <p:sp>
+        <p:nvSpPr>
+          <p:cNvPr id="2" name="幻灯片图像占位符 1"/>
+          <p:cNvSpPr>
+            <a:spLocks noGrp="1" noRot="1" noChangeAspect="1"/>
+          </p:cNvSpPr>
+          <p:nvPr>
+            <p:ph type="sldImg"/>
+          </p:nvPr>
+        </p:nvSpPr>
+        <p:spPr/>
+      </p:sp>
+      <p:sp>
+        <p:nvSpPr>
+          <p:cNvPr id="3" name="备注占位符 2"/>
+          <p:cNvSpPr>
+            <a:spLocks noGrp="1"/>
+          </p:cNvSpPr>
+          <p:nvPr>
+            <p:ph type="body" idx="1"/>
+          </p:nvPr>
+        </p:nvSpPr>
+        <p:spPr/>
+        <p:txBody>
+          <a:bodyPr/>
+          <a:lstStyle/>
+          <a:p>
+            <a:endParaRPr lang="zh-CN" altLang="en-US" dirty="0"/>
+          </a:p>
+        </p:txBody>
+      </p:sp>
+      <p:sp>
+        <p:nvSpPr>
+          <p:cNvPr id="4" name="灯片编号占位符 3"/>
+          <p:cNvSpPr>
+            <a:spLocks noGrp="1"/>
+          </p:cNvSpPr>
+          <p:nvPr>
+            <p:ph type="sldNum" sz="quarter" idx="5"/>
+          </p:nvPr>
+        </p:nvSpPr>
+        <p:spPr/>
+        <p:txBody>
+          <a:bodyPr/>
+          <a:lstStyle/>
+          <a:p>
+            <a:fld id="{20243972-8437-4FFD-A994-054600F4BB13}" type="slidenum">
+              <a:rPr lang="zh-CN" altLang="en-US" smtClean="0"/>
+            </a:fld>
+            <a:endParaRPr lang="zh-CN" altLang="en-US"/>
+          </a:p>
+        </p:txBody>
+      </p:sp>
+    </p:spTree>
+  </p:cSld>
+  <p:clrMapOvr>
+    <a:masterClrMapping/>
+  </p:clrMapOvr>
+</p:notes>
+</file>
+
+<file path=ppt/notesSlides/notesSlide4.xml><?xml version="1.0" encoding="utf-8"?>
 <p:notes xmlns:a="http://schemas.openxmlformats.org/drawingml/2006/main" xmlns:r="http://schemas.openxmlformats.org/officeDocument/2006/relationships" xmlns:p="http://schemas.openxmlformats.org/presentationml/2006/main">
   <p:cSld>
     <p:spTree>
@@ -3558,7 +3637,7 @@
                 <a:latin typeface="微软雅黑" panose="020B0503020204020204" pitchFamily="34" charset="-122"/>
                 <a:ea typeface="微软雅黑" panose="020B0503020204020204" pitchFamily="34" charset="-122"/>
               </a:rPr>
-              <a:t>11.15</a:t>
+              <a:t>11.22</a:t>
             </a:r>
             <a:endParaRPr lang="en-US" altLang="zh-CN" sz="4265" b="1" dirty="0">
               <a:solidFill>
@@ -3578,7 +3657,7 @@
         </p:nvSpPr>
         <p:spPr>
           <a:xfrm>
-            <a:off x="4376420" y="4105275"/>
+            <a:off x="4376420" y="4426585"/>
             <a:ext cx="13058140" cy="891540"/>
           </a:xfrm>
           <a:prstGeom prst="rect">
@@ -3664,7 +3743,7 @@
         </p:nvSpPr>
         <p:spPr>
           <a:xfrm>
-            <a:off x="4376420" y="5650230"/>
+            <a:off x="4376420" y="5971540"/>
             <a:ext cx="13058140" cy="891540"/>
           </a:xfrm>
           <a:prstGeom prst="rect">
@@ -3695,7 +3774,18 @@
                 <a:ea typeface="微软雅黑" panose="020B0503020204020204" pitchFamily="34" charset="-122"/>
                 <a:sym typeface="+mn-ea"/>
               </a:rPr>
-              <a:t>2.x</a:t>
+              <a:t>2.</a:t>
+            </a:r>
+            <a:r>
+              <a:rPr lang="zh-CN" altLang="en-US" sz="4000" b="1" dirty="0">
+                <a:solidFill>
+                  <a:srgbClr val="002060"/>
+                </a:solidFill>
+                <a:latin typeface="微软雅黑" panose="020B0503020204020204" pitchFamily="34" charset="-122"/>
+                <a:ea typeface="微软雅黑" panose="020B0503020204020204" pitchFamily="34" charset="-122"/>
+                <a:sym typeface="+mn-ea"/>
+              </a:rPr>
+              <a:t>数据可视化</a:t>
             </a:r>
             <a:r>
               <a:rPr lang="en-US" altLang="zh-CN" sz="4000" b="1" dirty="0">
@@ -3706,9 +3796,42 @@
                 <a:ea typeface="微软雅黑" panose="020B0503020204020204" pitchFamily="34" charset="-122"/>
                 <a:sym typeface="+mn-ea"/>
               </a:rPr>
-              <a:t>——x</a:t>
-            </a:r>
-            <a:endParaRPr lang="en-US" altLang="zh-CN" sz="4000" b="1" dirty="0">
+              <a:t>——</a:t>
+            </a:r>
+            <a:r>
+              <a:rPr lang="zh-CN" altLang="en-US" sz="4000" b="1" dirty="0">
+                <a:solidFill>
+                  <a:srgbClr val="002060"/>
+                </a:solidFill>
+                <a:latin typeface="微软雅黑" panose="020B0503020204020204" pitchFamily="34" charset="-122"/>
+                <a:ea typeface="微软雅黑" panose="020B0503020204020204" pitchFamily="34" charset="-122"/>
+                <a:sym typeface="+mn-ea"/>
+              </a:rPr>
+              <a:t>编写数据可视化</a:t>
+            </a:r>
+            <a:r>
+              <a:rPr lang="zh-CN" altLang="en-US" sz="4000" b="1" dirty="0">
+                <a:solidFill>
+                  <a:srgbClr val="002060"/>
+                </a:solidFill>
+                <a:latin typeface="微软雅黑" panose="020B0503020204020204" pitchFamily="34" charset="-122"/>
+                <a:ea typeface="微软雅黑" panose="020B0503020204020204" pitchFamily="34" charset="-122"/>
+                <a:sym typeface="+mn-ea"/>
+              </a:rPr>
+              <a:t>绘图部分的</a:t>
+            </a:r>
+            <a:r>
+              <a:rPr lang="zh-CN" altLang="en-US" sz="4000" b="1" dirty="0">
+                <a:solidFill>
+                  <a:srgbClr val="002060"/>
+                </a:solidFill>
+                <a:latin typeface="微软雅黑" panose="020B0503020204020204" pitchFamily="34" charset="-122"/>
+                <a:ea typeface="微软雅黑" panose="020B0503020204020204" pitchFamily="34" charset="-122"/>
+                <a:sym typeface="+mn-ea"/>
+              </a:rPr>
+              <a:t>代码</a:t>
+            </a:r>
+            <a:endParaRPr lang="zh-CN" altLang="en-US" sz="4000" b="1" dirty="0">
               <a:solidFill>
                 <a:srgbClr val="002060"/>
               </a:solidFill>
@@ -3727,7 +3850,7 @@
         </p:nvSpPr>
         <p:spPr>
           <a:xfrm>
-            <a:off x="4376420" y="7195185"/>
+            <a:off x="4376420" y="7516495"/>
             <a:ext cx="13058140" cy="891540"/>
           </a:xfrm>
           <a:prstGeom prst="rect">
@@ -3758,9 +3881,53 @@
                 <a:ea typeface="微软雅黑" panose="020B0503020204020204" pitchFamily="34" charset="-122"/>
                 <a:sym typeface="+mn-ea"/>
               </a:rPr>
-              <a:t>3.x——x</a:t>
-            </a:r>
-            <a:endParaRPr lang="en-US" altLang="zh-CN" sz="4000" b="1" dirty="0">
+              <a:t>3.</a:t>
+            </a:r>
+            <a:r>
+              <a:rPr lang="zh-CN" altLang="en-US" sz="4000" b="1" dirty="0">
+                <a:solidFill>
+                  <a:srgbClr val="002060"/>
+                </a:solidFill>
+                <a:latin typeface="微软雅黑" panose="020B0503020204020204" pitchFamily="34" charset="-122"/>
+                <a:ea typeface="微软雅黑" panose="020B0503020204020204" pitchFamily="34" charset="-122"/>
+                <a:sym typeface="+mn-ea"/>
+              </a:rPr>
+              <a:t>专利对接</a:t>
+            </a:r>
+            <a:r>
+              <a:rPr lang="en-US" altLang="zh-CN" sz="4000" b="1" dirty="0">
+                <a:solidFill>
+                  <a:srgbClr val="002060"/>
+                </a:solidFill>
+                <a:latin typeface="微软雅黑" panose="020B0503020204020204" pitchFamily="34" charset="-122"/>
+                <a:ea typeface="微软雅黑" panose="020B0503020204020204" pitchFamily="34" charset="-122"/>
+                <a:sym typeface="+mn-ea"/>
+              </a:rPr>
+              <a:t>——</a:t>
+            </a:r>
+            <a:r>
+              <a:rPr lang="zh-CN" altLang="en-US" sz="4000" b="1" dirty="0">
+                <a:solidFill>
+                  <a:srgbClr val="002060"/>
+                </a:solidFill>
+                <a:latin typeface="微软雅黑" panose="020B0503020204020204" pitchFamily="34" charset="-122"/>
+                <a:ea typeface="微软雅黑" panose="020B0503020204020204" pitchFamily="34" charset="-122"/>
+                <a:sym typeface="+mn-ea"/>
+              </a:rPr>
+              <a:t>与华进方面负责人对接专利</a:t>
+            </a:r>
+            <a:r>
+              <a:rPr lang="zh-CN" altLang="en-US" sz="4000" b="1" dirty="0">
+                <a:solidFill>
+                  <a:srgbClr val="002060"/>
+                </a:solidFill>
+                <a:latin typeface="微软雅黑" panose="020B0503020204020204" pitchFamily="34" charset="-122"/>
+                <a:ea typeface="微软雅黑" panose="020B0503020204020204" pitchFamily="34" charset="-122"/>
+                <a:sym typeface="+mn-ea"/>
+              </a:rPr>
+              <a:t>申请</a:t>
+            </a:r>
+            <a:endParaRPr lang="zh-CN" altLang="en-US" sz="4000" b="1" dirty="0">
               <a:solidFill>
                 <a:srgbClr val="002060"/>
               </a:solidFill>
@@ -3932,7 +4099,15 @@
                 <a:ea typeface="仿宋" panose="02010609060101010101" charset="-122"/>
                 <a:sym typeface="+mn-ea"/>
               </a:rPr>
-              <a:t>细胞浓度越大，我们的算法准确率</a:t>
+              <a:t>细胞浓度越大，面积赋值算法</a:t>
+            </a:r>
+            <a:r>
+              <a:rPr lang="zh-CN" altLang="en-US" sz="6000" b="1" dirty="0">
+                <a:latin typeface="仿宋" panose="02010609060101010101" charset="-122"/>
+                <a:ea typeface="仿宋" panose="02010609060101010101" charset="-122"/>
+                <a:sym typeface="+mn-ea"/>
+              </a:rPr>
+              <a:t>的准确率</a:t>
             </a:r>
             <a:r>
               <a:rPr lang="zh-CN" altLang="en-US" sz="6000" b="1" dirty="0">
@@ -4065,8 +4240,8 @@
         </p:nvSpPr>
         <p:spPr>
           <a:xfrm>
-            <a:off x="592455" y="307340"/>
-            <a:ext cx="15238730" cy="1008380"/>
+            <a:off x="532765" y="340995"/>
+            <a:ext cx="12980670" cy="891540"/>
           </a:xfrm>
           <a:prstGeom prst="rect">
             <a:avLst/>
@@ -4074,7 +4249,7 @@
         </p:spPr>
         <p:txBody>
           <a:bodyPr wrap="square">
-            <a:noAutofit/>
+            <a:spAutoFit/>
           </a:bodyPr>
           <a:lstStyle/>
           <a:p>
@@ -4108,7 +4283,7 @@
                 <a:ea typeface="微软雅黑" panose="020B0503020204020204" pitchFamily="34" charset="-122"/>
                 <a:sym typeface="+mn-ea"/>
               </a:rPr>
-              <a:t>显示优化</a:t>
+              <a:t>数据可视化</a:t>
             </a:r>
             <a:r>
               <a:rPr lang="en-US" altLang="zh-CN" sz="4000" b="1" dirty="0">
@@ -4130,7 +4305,7 @@
                 <a:ea typeface="微软雅黑" panose="020B0503020204020204" pitchFamily="34" charset="-122"/>
                 <a:sym typeface="+mn-ea"/>
               </a:rPr>
-              <a:t>修改细胞团和单细胞的轮廓颜色</a:t>
+              <a:t>编写数据可视化绘图部分的代码</a:t>
             </a:r>
             <a:endParaRPr lang="zh-CN" altLang="en-US" sz="4000" b="1" dirty="0">
               <a:solidFill>
@@ -4145,14 +4320,14 @@
       </p:sp>
       <p:sp>
         <p:nvSpPr>
-          <p:cNvPr id="9" name="文本框 8"/>
+          <p:cNvPr id="13" name="文本框 12"/>
           <p:cNvSpPr txBox="1"/>
           <p:nvPr/>
         </p:nvSpPr>
         <p:spPr>
           <a:xfrm>
-            <a:off x="3748405" y="10875010"/>
-            <a:ext cx="7224395" cy="368300"/>
+            <a:off x="16523335" y="3530600"/>
+            <a:ext cx="4234180" cy="5988685"/>
           </a:xfrm>
           <a:prstGeom prst="rect">
             <a:avLst/>
@@ -4160,99 +4335,70 @@
           <a:noFill/>
         </p:spPr>
         <p:txBody>
-          <a:bodyPr wrap="square" rtlCol="0">
-            <a:spAutoFit/>
+          <a:bodyPr wrap="square" rtlCol="0" anchor="t">
+            <a:noAutofit/>
           </a:bodyPr>
           <a:p>
-            <a:endParaRPr lang="zh-CN" altLang="en-US"/>
-          </a:p>
-        </p:txBody>
-      </p:sp>
-      <p:sp>
-        <p:nvSpPr>
-          <p:cNvPr id="4" name="文本框 3"/>
-          <p:cNvSpPr txBox="1"/>
+            <a:pPr indent="457200"/>
+            <a:r>
+              <a:rPr lang="en-US" altLang="zh-CN" sz="6000" b="1" dirty="0">
+                <a:latin typeface="仿宋" panose="02010609060101010101" charset="-122"/>
+                <a:ea typeface="仿宋" panose="02010609060101010101" charset="-122"/>
+                <a:sym typeface="+mn-ea"/>
+              </a:rPr>
+              <a:t> </a:t>
+            </a:r>
+            <a:r>
+              <a:rPr lang="zh-CN" altLang="en-US" sz="6000" b="1" dirty="0">
+                <a:latin typeface="仿宋" panose="02010609060101010101" charset="-122"/>
+                <a:ea typeface="仿宋" panose="02010609060101010101" charset="-122"/>
+                <a:sym typeface="+mn-ea"/>
+              </a:rPr>
+              <a:t>编写数据可视化绘图部分的代码，后期将添加数据处理后的绘图</a:t>
+            </a:r>
+            <a:r>
+              <a:rPr lang="zh-CN" altLang="en-US" sz="6000" b="1" dirty="0">
+                <a:latin typeface="仿宋" panose="02010609060101010101" charset="-122"/>
+                <a:ea typeface="仿宋" panose="02010609060101010101" charset="-122"/>
+                <a:sym typeface="+mn-ea"/>
+              </a:rPr>
+              <a:t>功能。</a:t>
+            </a:r>
+            <a:endParaRPr lang="zh-CN" altLang="en-US" sz="6000" b="1" dirty="0">
+              <a:latin typeface="仿宋" panose="02010609060101010101" charset="-122"/>
+              <a:ea typeface="仿宋" panose="02010609060101010101" charset="-122"/>
+              <a:sym typeface="+mn-ea"/>
+            </a:endParaRPr>
+          </a:p>
+        </p:txBody>
+      </p:sp>
+      <p:pic>
+        <p:nvPicPr>
+          <p:cNvPr id="3" name="图片 2"/>
+          <p:cNvPicPr>
+            <a:picLocks noChangeAspect="1"/>
+          </p:cNvPicPr>
           <p:nvPr/>
-        </p:nvSpPr>
+        </p:nvPicPr>
+        <p:blipFill>
+          <a:blip r:embed="rId1"/>
+          <a:stretch>
+            <a:fillRect/>
+          </a:stretch>
+        </p:blipFill>
         <p:spPr>
           <a:xfrm>
-            <a:off x="16960850" y="2867660"/>
-            <a:ext cx="4290695" cy="6181090"/>
+            <a:off x="1163955" y="1381760"/>
+            <a:ext cx="14578330" cy="10287000"/>
           </a:xfrm>
           <a:prstGeom prst="rect">
             <a:avLst/>
           </a:prstGeom>
-          <a:noFill/>
         </p:spPr>
-        <p:txBody>
-          <a:bodyPr wrap="square">
-            <a:noAutofit/>
-          </a:bodyPr>
-          <a:p>
-            <a:pPr indent="457200"/>
-            <a:r>
-              <a:rPr lang="en-US" altLang="zh-CN" sz="6000" b="1" dirty="0">
-                <a:latin typeface="仿宋" panose="02010609060101010101" charset="-122"/>
-                <a:ea typeface="仿宋" panose="02010609060101010101" charset="-122"/>
-              </a:rPr>
-              <a:t>  </a:t>
-            </a:r>
-            <a:r>
-              <a:rPr lang="zh-CN" altLang="en-US" sz="6000" b="1" dirty="0">
-                <a:latin typeface="仿宋" panose="02010609060101010101" charset="-122"/>
-                <a:ea typeface="仿宋" panose="02010609060101010101" charset="-122"/>
-              </a:rPr>
-              <a:t>修改细胞团和单细胞的轮廓颜色，以便于观察细胞（</a:t>
-            </a:r>
-            <a:r>
-              <a:rPr lang="zh-CN" altLang="en-US" sz="6000" b="1" dirty="0">
-                <a:latin typeface="仿宋" panose="02010609060101010101" charset="-122"/>
-                <a:ea typeface="仿宋" panose="02010609060101010101" charset="-122"/>
-              </a:rPr>
-              <a:t>细胞团）的分类识别</a:t>
-            </a:r>
-            <a:r>
-              <a:rPr lang="zh-CN" altLang="en-US" sz="6000" b="1" dirty="0">
-                <a:latin typeface="仿宋" panose="02010609060101010101" charset="-122"/>
-                <a:ea typeface="仿宋" panose="02010609060101010101" charset="-122"/>
-              </a:rPr>
-              <a:t>效果。</a:t>
-            </a:r>
-            <a:endParaRPr lang="zh-CN" altLang="en-US" sz="6000" b="1" dirty="0">
-              <a:latin typeface="仿宋" panose="02010609060101010101" charset="-122"/>
-              <a:ea typeface="仿宋" panose="02010609060101010101" charset="-122"/>
-            </a:endParaRPr>
-          </a:p>
-        </p:txBody>
-      </p:sp>
-      <p:sp>
-        <p:nvSpPr>
-          <p:cNvPr id="8" name="文本框 7"/>
-          <p:cNvSpPr txBox="1"/>
-          <p:nvPr/>
-        </p:nvSpPr>
-        <p:spPr>
-          <a:xfrm>
-            <a:off x="21430615" y="8524240"/>
-            <a:ext cx="7224395" cy="368300"/>
-          </a:xfrm>
-          <a:prstGeom prst="rect">
-            <a:avLst/>
-          </a:prstGeom>
-          <a:noFill/>
-        </p:spPr>
-        <p:txBody>
-          <a:bodyPr wrap="square" rtlCol="0">
-            <a:spAutoFit/>
-          </a:bodyPr>
-          <a:p>
-            <a:endParaRPr lang="zh-CN" altLang="en-US"/>
-          </a:p>
-        </p:txBody>
-      </p:sp>
+      </p:pic>
     </p:spTree>
     <p:custDataLst>
-      <p:tags r:id="rId1"/>
+      <p:tags r:id="rId2"/>
     </p:custDataLst>
   </p:cSld>
   <p:clrMapOvr>
@@ -4293,8 +4439,8 @@
         </p:nvSpPr>
         <p:spPr>
           <a:xfrm>
-            <a:off x="592455" y="245110"/>
-            <a:ext cx="15238730" cy="1008380"/>
+            <a:off x="532765" y="340995"/>
+            <a:ext cx="12980670" cy="891540"/>
           </a:xfrm>
           <a:prstGeom prst="rect">
             <a:avLst/>
@@ -4302,7 +4448,7 @@
         </p:spPr>
         <p:txBody>
           <a:bodyPr wrap="square">
-            <a:noAutofit/>
+            <a:spAutoFit/>
           </a:bodyPr>
           <a:lstStyle/>
           <a:p>
@@ -4325,7 +4471,7 @@
                 <a:ea typeface="微软雅黑" panose="020B0503020204020204" pitchFamily="34" charset="-122"/>
                 <a:sym typeface="+mn-ea"/>
               </a:rPr>
-              <a:t>3.</a:t>
+              <a:t>2.</a:t>
             </a:r>
             <a:r>
               <a:rPr lang="zh-CN" altLang="en-US" sz="4000" b="1" dirty="0">
@@ -4336,7 +4482,7 @@
                 <a:ea typeface="微软雅黑" panose="020B0503020204020204" pitchFamily="34" charset="-122"/>
                 <a:sym typeface="+mn-ea"/>
               </a:rPr>
-              <a:t>学术报告</a:t>
+              <a:t>数据可视化</a:t>
             </a:r>
             <a:r>
               <a:rPr lang="en-US" altLang="zh-CN" sz="4000" b="1" dirty="0">
@@ -4358,7 +4504,173 @@
                 <a:ea typeface="微软雅黑" panose="020B0503020204020204" pitchFamily="34" charset="-122"/>
                 <a:sym typeface="+mn-ea"/>
               </a:rPr>
-              <a:t>参与生物传感器小组组</a:t>
+              <a:t>编写数据可视化绘图部分的代码</a:t>
+            </a:r>
+            <a:endParaRPr lang="zh-CN" altLang="en-US" sz="4000" b="1" dirty="0">
+              <a:solidFill>
+                <a:srgbClr val="002060"/>
+              </a:solidFill>
+              <a:latin typeface="微软雅黑" panose="020B0503020204020204" pitchFamily="34" charset="-122"/>
+              <a:ea typeface="微软雅黑" panose="020B0503020204020204" pitchFamily="34" charset="-122"/>
+              <a:sym typeface="+mn-ea"/>
+            </a:endParaRPr>
+          </a:p>
+        </p:txBody>
+      </p:sp>
+      <p:sp>
+        <p:nvSpPr>
+          <p:cNvPr id="13" name="文本框 12"/>
+          <p:cNvSpPr txBox="1"/>
+          <p:nvPr/>
+        </p:nvSpPr>
+        <p:spPr>
+          <a:xfrm>
+            <a:off x="16741140" y="2261870"/>
+            <a:ext cx="4234180" cy="8430260"/>
+          </a:xfrm>
+          <a:prstGeom prst="rect">
+            <a:avLst/>
+          </a:prstGeom>
+          <a:noFill/>
+        </p:spPr>
+        <p:txBody>
+          <a:bodyPr wrap="square" rtlCol="0" anchor="t">
+            <a:noAutofit/>
+          </a:bodyPr>
+          <a:p>
+            <a:pPr indent="457200"/>
+            <a:r>
+              <a:rPr lang="en-US" altLang="zh-CN" sz="6000" b="1" dirty="0">
+                <a:latin typeface="仿宋" panose="02010609060101010101" charset="-122"/>
+                <a:ea typeface="仿宋" panose="02010609060101010101" charset="-122"/>
+                <a:sym typeface="+mn-ea"/>
+              </a:rPr>
+              <a:t> </a:t>
+            </a:r>
+            <a:r>
+              <a:rPr lang="zh-CN" altLang="en-US" sz="6000" b="1" dirty="0">
+                <a:latin typeface="仿宋" panose="02010609060101010101" charset="-122"/>
+                <a:ea typeface="仿宋" panose="02010609060101010101" charset="-122"/>
+                <a:sym typeface="+mn-ea"/>
+              </a:rPr>
+              <a:t>将轮廓计数法和面积赋值法相比较，可以看到前者的相对误差会随着细胞浓度增加而呈现出线性</a:t>
+            </a:r>
+            <a:r>
+              <a:rPr lang="zh-CN" altLang="en-US" sz="6000" b="1" dirty="0">
+                <a:latin typeface="仿宋" panose="02010609060101010101" charset="-122"/>
+                <a:ea typeface="仿宋" panose="02010609060101010101" charset="-122"/>
+                <a:sym typeface="+mn-ea"/>
+              </a:rPr>
+              <a:t>增长。</a:t>
+            </a:r>
+            <a:endParaRPr lang="zh-CN" altLang="en-US" sz="6000" b="1" dirty="0">
+              <a:latin typeface="仿宋" panose="02010609060101010101" charset="-122"/>
+              <a:ea typeface="仿宋" panose="02010609060101010101" charset="-122"/>
+              <a:sym typeface="+mn-ea"/>
+            </a:endParaRPr>
+          </a:p>
+        </p:txBody>
+      </p:sp>
+      <p:pic>
+        <p:nvPicPr>
+          <p:cNvPr id="4" name="图片 3"/>
+          <p:cNvPicPr>
+            <a:picLocks noChangeAspect="1"/>
+          </p:cNvPicPr>
+          <p:nvPr/>
+        </p:nvPicPr>
+        <p:blipFill>
+          <a:blip r:embed="rId1"/>
+          <a:stretch>
+            <a:fillRect/>
+          </a:stretch>
+        </p:blipFill>
+        <p:spPr>
+          <a:xfrm>
+            <a:off x="998220" y="1650365"/>
+            <a:ext cx="15009495" cy="9977120"/>
+          </a:xfrm>
+          <a:prstGeom prst="rect">
+            <a:avLst/>
+          </a:prstGeom>
+        </p:spPr>
+      </p:pic>
+    </p:spTree>
+    <p:custDataLst>
+      <p:tags r:id="rId2"/>
+    </p:custDataLst>
+  </p:cSld>
+  <p:clrMapOvr>
+    <a:masterClrMapping/>
+  </p:clrMapOvr>
+  <p:timing>
+    <p:tnLst>
+      <p:par>
+        <p:cTn id="1" dur="indefinite" restart="never" nodeType="tmRoot"/>
+      </p:par>
+    </p:tnLst>
+  </p:timing>
+</p:sld>
+</file>
+
+<file path=ppt/slides/slide5.xml><?xml version="1.0" encoding="utf-8"?>
+<p:sld xmlns:a="http://schemas.openxmlformats.org/drawingml/2006/main" xmlns:r="http://schemas.openxmlformats.org/officeDocument/2006/relationships" xmlns:p="http://schemas.openxmlformats.org/presentationml/2006/main">
+  <p:cSld>
+    <p:spTree>
+      <p:nvGrpSpPr>
+        <p:cNvPr id="1" name=""/>
+        <p:cNvGrpSpPr/>
+        <p:nvPr/>
+      </p:nvGrpSpPr>
+      <p:grpSpPr>
+        <a:xfrm>
+          <a:off x="0" y="0"/>
+          <a:ext cx="0" cy="0"/>
+          <a:chOff x="0" y="0"/>
+          <a:chExt cx="0" cy="0"/>
+        </a:xfrm>
+      </p:grpSpPr>
+      <p:sp>
+        <p:nvSpPr>
+          <p:cNvPr id="2" name="矩形 1"/>
+          <p:cNvSpPr/>
+          <p:nvPr/>
+        </p:nvSpPr>
+        <p:spPr>
+          <a:xfrm>
+            <a:off x="592455" y="307340"/>
+            <a:ext cx="15238730" cy="1008380"/>
+          </a:xfrm>
+          <a:prstGeom prst="rect">
+            <a:avLst/>
+          </a:prstGeom>
+        </p:spPr>
+        <p:txBody>
+          <a:bodyPr wrap="square">
+            <a:noAutofit/>
+          </a:bodyPr>
+          <a:lstStyle/>
+          <a:p>
+            <a:pPr marL="508000" indent="-508000" defTabSz="1625600">
+              <a:lnSpc>
+                <a:spcPct val="130000"/>
+              </a:lnSpc>
+              <a:spcAft>
+                <a:spcPts val="1065"/>
+              </a:spcAft>
+              <a:buFont typeface="Wingdings" panose="05000000000000000000" pitchFamily="2" charset="2"/>
+              <a:buChar char="Ø"/>
+            </a:pPr>
+            <a:r>
+              <a:rPr lang="en-US" altLang="zh-CN" sz="4000" b="1" dirty="0">
+                <a:solidFill>
+                  <a:srgbClr val="002060"/>
+                </a:solidFill>
+                <a:latin typeface="微软雅黑" panose="020B0503020204020204" pitchFamily="34" charset="-122"/>
+                <a:ea typeface="微软雅黑" panose="020B0503020204020204" pitchFamily="34" charset="-122"/>
+                <a:sym typeface="+mn-ea"/>
+              </a:rPr>
+              <a:t>3.</a:t>
             </a:r>
             <a:r>
               <a:rPr lang="zh-CN" altLang="en-US" sz="4000" b="1" dirty="0">
@@ -4369,7 +4681,29 @@
                 <a:ea typeface="微软雅黑" panose="020B0503020204020204" pitchFamily="34" charset="-122"/>
                 <a:sym typeface="+mn-ea"/>
               </a:rPr>
-              <a:t>会</a:t>
+              <a:t>专利对接</a:t>
+            </a:r>
+            <a:r>
+              <a:rPr lang="en-US" altLang="zh-CN" sz="4000" b="1" dirty="0">
+                <a:solidFill>
+                  <a:srgbClr val="002060"/>
+                </a:solidFill>
+                <a:latin typeface="微软雅黑" panose="020B0503020204020204" pitchFamily="34" charset="-122"/>
+                <a:ea typeface="微软雅黑" panose="020B0503020204020204" pitchFamily="34" charset="-122"/>
+                <a:sym typeface="+mn-ea"/>
+              </a:rPr>
+              <a:t>——</a:t>
+            </a:r>
+            <a:r>
+              <a:rPr lang="zh-CN" altLang="en-US" sz="4000" b="1" dirty="0">
+                <a:solidFill>
+                  <a:srgbClr val="002060"/>
+                </a:solidFill>
+                <a:latin typeface="微软雅黑" panose="020B0503020204020204" pitchFamily="34" charset="-122"/>
+                <a:ea typeface="微软雅黑" panose="020B0503020204020204" pitchFamily="34" charset="-122"/>
+                <a:sym typeface="+mn-ea"/>
+              </a:rPr>
+              <a:t>与华进方面负责人对接专利申请</a:t>
             </a:r>
             <a:endParaRPr lang="zh-CN" altLang="en-US" sz="4000" b="1" dirty="0">
               <a:solidFill>
@@ -4390,7 +4724,7 @@
         </p:nvSpPr>
         <p:spPr>
           <a:xfrm>
-            <a:off x="3532505" y="10875010"/>
+            <a:off x="3748405" y="10875010"/>
             <a:ext cx="7224395" cy="368300"/>
           </a:xfrm>
           <a:prstGeom prst="rect">
@@ -4415,8 +4749,8 @@
         </p:nvSpPr>
         <p:spPr>
           <a:xfrm>
-            <a:off x="16330930" y="3317240"/>
-            <a:ext cx="4799330" cy="5558155"/>
+            <a:off x="18661380" y="2955925"/>
+            <a:ext cx="2769235" cy="7433945"/>
           </a:xfrm>
           <a:prstGeom prst="rect">
             <a:avLst/>
@@ -4430,32 +4764,18 @@
           <a:p>
             <a:pPr indent="457200"/>
             <a:r>
-              <a:rPr lang="en-US" altLang="zh-CN" sz="5400" b="1" dirty="0">
-                <a:latin typeface="仿宋" panose="02010609060101010101" charset="-122"/>
-                <a:ea typeface="仿宋" panose="02010609060101010101" charset="-122"/>
-              </a:rPr>
-              <a:t>  </a:t>
-            </a:r>
-            <a:r>
               <a:rPr lang="zh-CN" altLang="en-US" sz="6000" b="1" dirty="0">
                 <a:latin typeface="仿宋" panose="02010609060101010101" charset="-122"/>
                 <a:ea typeface="仿宋" panose="02010609060101010101" charset="-122"/>
               </a:rPr>
-              <a:t>参与生物传感器小组的学术报告会，主要</a:t>
+              <a:t>与华进方面负责人对接专利申请，整理程序</a:t>
             </a:r>
             <a:r>
               <a:rPr lang="zh-CN" altLang="en-US" sz="6000" b="1" dirty="0">
                 <a:latin typeface="仿宋" panose="02010609060101010101" charset="-122"/>
                 <a:ea typeface="仿宋" panose="02010609060101010101" charset="-122"/>
               </a:rPr>
-              <a:t>学习了一下可穿戴传感器的</a:t>
-            </a:r>
-            <a:r>
-              <a:rPr lang="zh-CN" altLang="en-US" sz="6000" b="1" dirty="0">
-                <a:latin typeface="仿宋" panose="02010609060101010101" charset="-122"/>
-                <a:ea typeface="仿宋" panose="02010609060101010101" charset="-122"/>
-              </a:rPr>
-              <a:t>文献。</a:t>
+              <a:t>控制流程图。</a:t>
             </a:r>
             <a:endParaRPr lang="zh-CN" altLang="en-US" sz="6000" b="1" dirty="0">
               <a:latin typeface="仿宋" panose="02010609060101010101" charset="-122"/>
@@ -4464,14 +4784,118 @@
           </a:p>
         </p:txBody>
       </p:sp>
+      <p:sp>
+        <p:nvSpPr>
+          <p:cNvPr id="8" name="文本框 7"/>
+          <p:cNvSpPr txBox="1"/>
+          <p:nvPr/>
+        </p:nvSpPr>
+        <p:spPr>
+          <a:xfrm>
+            <a:off x="21430615" y="8524240"/>
+            <a:ext cx="7224395" cy="368300"/>
+          </a:xfrm>
+          <a:prstGeom prst="rect">
+            <a:avLst/>
+          </a:prstGeom>
+          <a:noFill/>
+        </p:spPr>
+        <p:txBody>
+          <a:bodyPr wrap="square" rtlCol="0">
+            <a:spAutoFit/>
+          </a:bodyPr>
+          <a:p>
+            <a:endParaRPr lang="zh-CN" altLang="en-US"/>
+          </a:p>
+        </p:txBody>
+      </p:sp>
+      <p:pic>
+        <p:nvPicPr>
+          <p:cNvPr id="3" name="图片 2"/>
+          <p:cNvPicPr>
+            <a:picLocks noChangeAspect="1"/>
+          </p:cNvPicPr>
+          <p:nvPr/>
+        </p:nvPicPr>
+        <p:blipFill>
+          <a:blip r:embed="rId1"/>
+          <a:stretch>
+            <a:fillRect/>
+          </a:stretch>
+        </p:blipFill>
+        <p:spPr>
+          <a:xfrm>
+            <a:off x="828040" y="1711325"/>
+            <a:ext cx="7963535" cy="9923780"/>
+          </a:xfrm>
+          <a:prstGeom prst="rect">
+            <a:avLst/>
+          </a:prstGeom>
+        </p:spPr>
+      </p:pic>
+      <p:pic>
+        <p:nvPicPr>
+          <p:cNvPr id="6" name="图片 5"/>
+          <p:cNvPicPr>
+            <a:picLocks noChangeAspect="1"/>
+          </p:cNvPicPr>
+          <p:nvPr/>
+        </p:nvPicPr>
+        <p:blipFill>
+          <a:blip r:embed="rId2"/>
+          <a:stretch>
+            <a:fillRect/>
+          </a:stretch>
+        </p:blipFill>
+        <p:spPr>
+          <a:xfrm>
+            <a:off x="8968740" y="1711325"/>
+            <a:ext cx="2617470" cy="9923780"/>
+          </a:xfrm>
+          <a:prstGeom prst="rect">
+            <a:avLst/>
+          </a:prstGeom>
+        </p:spPr>
+      </p:pic>
+      <p:pic>
+        <p:nvPicPr>
+          <p:cNvPr id="7" name="图片 6"/>
+          <p:cNvPicPr>
+            <a:picLocks noChangeAspect="1"/>
+          </p:cNvPicPr>
+          <p:nvPr/>
+        </p:nvPicPr>
+        <p:blipFill>
+          <a:blip r:embed="rId3"/>
+          <a:stretch>
+            <a:fillRect/>
+          </a:stretch>
+        </p:blipFill>
+        <p:spPr>
+          <a:xfrm>
+            <a:off x="11797030" y="1711325"/>
+            <a:ext cx="6515100" cy="9923780"/>
+          </a:xfrm>
+          <a:prstGeom prst="rect">
+            <a:avLst/>
+          </a:prstGeom>
+        </p:spPr>
+      </p:pic>
     </p:spTree>
     <p:custDataLst>
-      <p:tags r:id="rId1"/>
+      <p:tags r:id="rId4"/>
     </p:custDataLst>
   </p:cSld>
   <p:clrMapOvr>
     <a:masterClrMapping/>
   </p:clrMapOvr>
+  <p:timing>
+    <p:tnLst>
+      <p:par>
+        <p:cTn id="1" dur="indefinite" restart="never" nodeType="tmRoot"/>
+      </p:par>
+    </p:tnLst>
+  </p:timing>
 </p:sld>
 </file>
 
@@ -4537,8 +4961,23 @@
 
 <file path=ppt/tags/tag5.xml><?xml version="1.0" encoding="utf-8"?>
 <p:tagLst xmlns:p="http://schemas.openxmlformats.org/presentationml/2006/main">
+  <p:tag name="KSO_WM_TEMPLATE_CATEGORY" val="preset"/>
+  <p:tag name="KSO_WM_TEMPLATE_INDEX" val="11"/>
+  <p:tag name="KSO_WM_TAG_VERSION" val="1.0"/>
+  <p:tag name="KSO_WM_SLIDE_ID" val="256"/>
+  <p:tag name="KSO_WM_SLIDE_INDEX" val="1"/>
+  <p:tag name="KSO_WM_SLIDE_ITEM_CNT" val="2"/>
+  <p:tag name="KSO_WM_SLIDE_LAYOUT" val="a_b"/>
+  <p:tag name="KSO_WM_SLIDE_LAYOUT_CNT" val="1_1"/>
+  <p:tag name="KSO_WM_SLIDE_TYPE" val="title"/>
+  <p:tag name="KSO_WM_BEAUTIFY_FLAG" val="#wm#"/>
+</p:tagLst>
+</file>
+
+<file path=ppt/tags/tag6.xml><?xml version="1.0" encoding="utf-8"?>
+<p:tagLst xmlns:p="http://schemas.openxmlformats.org/presentationml/2006/main">
   <p:tag name="COMMONDATA" val="eyJoZGlkIjoiOWRhYTQ4MWJhYTY5NDkxMzUyNjRmODllNWQxOTAzMTUifQ=="/>
-  <p:tag name="commondata" val="eyJoZGlkIjoiNjE5MjU3NWUyOWRhOGEyMzVlYjdhNzRhNTZhZGVkZmMifQ=="/>
+  <p:tag name="commondata" val="eyJoZGlkIjoiNGU5YWM2MGEyN2Y1N2MyMzg4YThkNjFlOGVlOGJlYmUifQ=="/>
 </p:tagLst>
 </file>
 

--- a/2024年/周报20241122.pptx
+++ b/2024年/周报20241122.pptx
@@ -12,12 +12,13 @@
     <p:sldId id="317" r:id="rId4"/>
     <p:sldId id="320" r:id="rId6"/>
     <p:sldId id="321" r:id="rId7"/>
-    <p:sldId id="312" r:id="rId8"/>
+    <p:sldId id="323" r:id="rId8"/>
+    <p:sldId id="312" r:id="rId9"/>
   </p:sldIdLst>
   <p:sldSz cx="21673820" cy="12192000"/>
   <p:notesSz cx="6858000" cy="9144000"/>
   <p:custDataLst>
-    <p:tags r:id="rId12"/>
+    <p:tags r:id="rId13"/>
   </p:custDataLst>
   <p:defaultTextStyle>
     <a:defPPr>
@@ -699,6 +700,84 @@
 </file>
 
 <file path=ppt/notesSlides/notesSlide4.xml><?xml version="1.0" encoding="utf-8"?>
+<p:notes xmlns:a="http://schemas.openxmlformats.org/drawingml/2006/main" xmlns:r="http://schemas.openxmlformats.org/officeDocument/2006/relationships" xmlns:p="http://schemas.openxmlformats.org/presentationml/2006/main">
+  <p:cSld>
+    <p:spTree>
+      <p:nvGrpSpPr>
+        <p:cNvPr id="1" name=""/>
+        <p:cNvGrpSpPr/>
+        <p:nvPr/>
+      </p:nvGrpSpPr>
+      <p:grpSpPr>
+        <a:xfrm>
+          <a:off x="0" y="0"/>
+          <a:ext cx="0" cy="0"/>
+          <a:chOff x="0" y="0"/>
+          <a:chExt cx="0" cy="0"/>
+        </a:xfrm>
+      </p:grpSpPr>
+      <p:sp>
+        <p:nvSpPr>
+          <p:cNvPr id="2" name="幻灯片图像占位符 1"/>
+          <p:cNvSpPr>
+            <a:spLocks noGrp="1" noRot="1" noChangeAspect="1"/>
+          </p:cNvSpPr>
+          <p:nvPr>
+            <p:ph type="sldImg"/>
+          </p:nvPr>
+        </p:nvSpPr>
+        <p:spPr/>
+      </p:sp>
+      <p:sp>
+        <p:nvSpPr>
+          <p:cNvPr id="3" name="备注占位符 2"/>
+          <p:cNvSpPr>
+            <a:spLocks noGrp="1"/>
+          </p:cNvSpPr>
+          <p:nvPr>
+            <p:ph type="body" idx="1"/>
+          </p:nvPr>
+        </p:nvSpPr>
+        <p:spPr/>
+        <p:txBody>
+          <a:bodyPr/>
+          <a:lstStyle/>
+          <a:p>
+            <a:endParaRPr lang="zh-CN" altLang="en-US" dirty="0"/>
+          </a:p>
+        </p:txBody>
+      </p:sp>
+      <p:sp>
+        <p:nvSpPr>
+          <p:cNvPr id="4" name="灯片编号占位符 3"/>
+          <p:cNvSpPr>
+            <a:spLocks noGrp="1"/>
+          </p:cNvSpPr>
+          <p:nvPr>
+            <p:ph type="sldNum" sz="quarter" idx="5"/>
+          </p:nvPr>
+        </p:nvSpPr>
+        <p:spPr/>
+        <p:txBody>
+          <a:bodyPr/>
+          <a:lstStyle/>
+          <a:p>
+            <a:fld id="{20243972-8437-4FFD-A994-054600F4BB13}" type="slidenum">
+              <a:rPr lang="zh-CN" altLang="en-US" smtClean="0"/>
+            </a:fld>
+            <a:endParaRPr lang="zh-CN" altLang="en-US"/>
+          </a:p>
+        </p:txBody>
+      </p:sp>
+    </p:spTree>
+  </p:cSld>
+  <p:clrMapOvr>
+    <a:masterClrMapping/>
+  </p:clrMapOvr>
+</p:notes>
+</file>
+
+<file path=ppt/notesSlides/notesSlide5.xml><?xml version="1.0" encoding="utf-8"?>
 <p:notes xmlns:a="http://schemas.openxmlformats.org/drawingml/2006/main" xmlns:r="http://schemas.openxmlformats.org/officeDocument/2006/relationships" xmlns:p="http://schemas.openxmlformats.org/presentationml/2006/main">
   <p:cSld>
     <p:spTree>
@@ -4749,7 +4828,7 @@
         </p:nvSpPr>
         <p:spPr>
           <a:xfrm>
-            <a:off x="18661380" y="2955925"/>
+            <a:off x="18661380" y="2379345"/>
             <a:ext cx="2769235" cy="7433945"/>
           </a:xfrm>
           <a:prstGeom prst="rect">
@@ -4768,14 +4847,14 @@
                 <a:latin typeface="仿宋" panose="02010609060101010101" charset="-122"/>
                 <a:ea typeface="仿宋" panose="02010609060101010101" charset="-122"/>
               </a:rPr>
-              <a:t>与华进方面负责人对接专利申请，整理程序</a:t>
+              <a:t>与华进方面负责人对接专利申请，整理程序控制流程图等</a:t>
             </a:r>
             <a:r>
               <a:rPr lang="zh-CN" altLang="en-US" sz="6000" b="1" dirty="0">
                 <a:latin typeface="仿宋" panose="02010609060101010101" charset="-122"/>
                 <a:ea typeface="仿宋" panose="02010609060101010101" charset="-122"/>
               </a:rPr>
-              <a:t>控制流程图。</a:t>
+              <a:t>材料。</a:t>
             </a:r>
             <a:endParaRPr lang="zh-CN" altLang="en-US" sz="6000" b="1" dirty="0">
               <a:latin typeface="仿宋" panose="02010609060101010101" charset="-122"/>
@@ -4884,6 +4963,316 @@
     </p:spTree>
     <p:custDataLst>
       <p:tags r:id="rId4"/>
+    </p:custDataLst>
+  </p:cSld>
+  <p:clrMapOvr>
+    <a:masterClrMapping/>
+  </p:clrMapOvr>
+  <p:timing>
+    <p:tnLst>
+      <p:par>
+        <p:cTn id="1" dur="indefinite" restart="never" nodeType="tmRoot"/>
+      </p:par>
+    </p:tnLst>
+  </p:timing>
+</p:sld>
+</file>
+
+<file path=ppt/slides/slide6.xml><?xml version="1.0" encoding="utf-8"?>
+<p:sld xmlns:a="http://schemas.openxmlformats.org/drawingml/2006/main" xmlns:r="http://schemas.openxmlformats.org/officeDocument/2006/relationships" xmlns:p="http://schemas.openxmlformats.org/presentationml/2006/main">
+  <p:cSld>
+    <p:spTree>
+      <p:nvGrpSpPr>
+        <p:cNvPr id="1" name=""/>
+        <p:cNvGrpSpPr/>
+        <p:nvPr/>
+      </p:nvGrpSpPr>
+      <p:grpSpPr>
+        <a:xfrm>
+          <a:off x="0" y="0"/>
+          <a:ext cx="0" cy="0"/>
+          <a:chOff x="0" y="0"/>
+          <a:chExt cx="0" cy="0"/>
+        </a:xfrm>
+      </p:grpSpPr>
+      <p:sp>
+        <p:nvSpPr>
+          <p:cNvPr id="2" name="矩形 1"/>
+          <p:cNvSpPr/>
+          <p:nvPr/>
+        </p:nvSpPr>
+        <p:spPr>
+          <a:xfrm>
+            <a:off x="592455" y="307340"/>
+            <a:ext cx="15238730" cy="1008380"/>
+          </a:xfrm>
+          <a:prstGeom prst="rect">
+            <a:avLst/>
+          </a:prstGeom>
+        </p:spPr>
+        <p:txBody>
+          <a:bodyPr wrap="square">
+            <a:noAutofit/>
+          </a:bodyPr>
+          <a:lstStyle/>
+          <a:p>
+            <a:pPr marL="508000" indent="-508000" defTabSz="1625600">
+              <a:lnSpc>
+                <a:spcPct val="130000"/>
+              </a:lnSpc>
+              <a:spcAft>
+                <a:spcPts val="1065"/>
+              </a:spcAft>
+              <a:buFont typeface="Wingdings" panose="05000000000000000000" pitchFamily="2" charset="2"/>
+              <a:buChar char="Ø"/>
+            </a:pPr>
+            <a:r>
+              <a:rPr lang="en-US" altLang="zh-CN" sz="4000" b="1" dirty="0">
+                <a:solidFill>
+                  <a:srgbClr val="002060"/>
+                </a:solidFill>
+                <a:latin typeface="微软雅黑" panose="020B0503020204020204" pitchFamily="34" charset="-122"/>
+                <a:ea typeface="微软雅黑" panose="020B0503020204020204" pitchFamily="34" charset="-122"/>
+                <a:sym typeface="+mn-ea"/>
+              </a:rPr>
+              <a:t>3.</a:t>
+            </a:r>
+            <a:r>
+              <a:rPr lang="zh-CN" altLang="en-US" sz="4000" b="1" dirty="0">
+                <a:solidFill>
+                  <a:srgbClr val="002060"/>
+                </a:solidFill>
+                <a:latin typeface="微软雅黑" panose="020B0503020204020204" pitchFamily="34" charset="-122"/>
+                <a:ea typeface="微软雅黑" panose="020B0503020204020204" pitchFamily="34" charset="-122"/>
+                <a:sym typeface="+mn-ea"/>
+              </a:rPr>
+              <a:t>专利对接</a:t>
+            </a:r>
+            <a:r>
+              <a:rPr lang="en-US" altLang="zh-CN" sz="4000" b="1" dirty="0">
+                <a:solidFill>
+                  <a:srgbClr val="002060"/>
+                </a:solidFill>
+                <a:latin typeface="微软雅黑" panose="020B0503020204020204" pitchFamily="34" charset="-122"/>
+                <a:ea typeface="微软雅黑" panose="020B0503020204020204" pitchFamily="34" charset="-122"/>
+                <a:sym typeface="+mn-ea"/>
+              </a:rPr>
+              <a:t>——</a:t>
+            </a:r>
+            <a:r>
+              <a:rPr lang="zh-CN" altLang="en-US" sz="4000" b="1" dirty="0">
+                <a:solidFill>
+                  <a:srgbClr val="002060"/>
+                </a:solidFill>
+                <a:latin typeface="微软雅黑" panose="020B0503020204020204" pitchFamily="34" charset="-122"/>
+                <a:ea typeface="微软雅黑" panose="020B0503020204020204" pitchFamily="34" charset="-122"/>
+                <a:sym typeface="+mn-ea"/>
+              </a:rPr>
+              <a:t>与华进方面负责人对接专利申请</a:t>
+            </a:r>
+            <a:endParaRPr lang="zh-CN" altLang="en-US" sz="4000" b="1" dirty="0">
+              <a:solidFill>
+                <a:srgbClr val="002060"/>
+              </a:solidFill>
+              <a:latin typeface="微软雅黑" panose="020B0503020204020204" pitchFamily="34" charset="-122"/>
+              <a:ea typeface="微软雅黑" panose="020B0503020204020204" pitchFamily="34" charset="-122"/>
+              <a:sym typeface="+mn-ea"/>
+            </a:endParaRPr>
+          </a:p>
+        </p:txBody>
+      </p:sp>
+      <p:sp>
+        <p:nvSpPr>
+          <p:cNvPr id="9" name="文本框 8"/>
+          <p:cNvSpPr txBox="1"/>
+          <p:nvPr/>
+        </p:nvSpPr>
+        <p:spPr>
+          <a:xfrm>
+            <a:off x="3748405" y="10875010"/>
+            <a:ext cx="7224395" cy="368300"/>
+          </a:xfrm>
+          <a:prstGeom prst="rect">
+            <a:avLst/>
+          </a:prstGeom>
+          <a:noFill/>
+        </p:spPr>
+        <p:txBody>
+          <a:bodyPr wrap="square" rtlCol="0">
+            <a:spAutoFit/>
+          </a:bodyPr>
+          <a:p>
+            <a:endParaRPr lang="zh-CN" altLang="en-US"/>
+          </a:p>
+        </p:txBody>
+      </p:sp>
+      <p:sp>
+        <p:nvSpPr>
+          <p:cNvPr id="4" name="文本框 3"/>
+          <p:cNvSpPr txBox="1"/>
+          <p:nvPr/>
+        </p:nvSpPr>
+        <p:spPr>
+          <a:xfrm>
+            <a:off x="12832080" y="7654290"/>
+            <a:ext cx="7945120" cy="2409825"/>
+          </a:xfrm>
+          <a:prstGeom prst="rect">
+            <a:avLst/>
+          </a:prstGeom>
+          <a:noFill/>
+        </p:spPr>
+        <p:txBody>
+          <a:bodyPr wrap="square">
+            <a:noAutofit/>
+          </a:bodyPr>
+          <a:p>
+            <a:pPr indent="457200"/>
+            <a:r>
+              <a:rPr lang="zh-CN" altLang="en-US" sz="6000" b="1" dirty="0">
+                <a:latin typeface="仿宋" panose="02010609060101010101" charset="-122"/>
+                <a:ea typeface="仿宋" panose="02010609060101010101" charset="-122"/>
+              </a:rPr>
+              <a:t>与华进方面负责人对接专利申请，整理程序控制流程图等</a:t>
+            </a:r>
+            <a:r>
+              <a:rPr lang="zh-CN" altLang="en-US" sz="6000" b="1" dirty="0">
+                <a:latin typeface="仿宋" panose="02010609060101010101" charset="-122"/>
+                <a:ea typeface="仿宋" panose="02010609060101010101" charset="-122"/>
+              </a:rPr>
+              <a:t>材料。</a:t>
+            </a:r>
+            <a:endParaRPr lang="zh-CN" altLang="en-US" sz="6000" b="1" dirty="0">
+              <a:latin typeface="仿宋" panose="02010609060101010101" charset="-122"/>
+              <a:ea typeface="仿宋" panose="02010609060101010101" charset="-122"/>
+            </a:endParaRPr>
+          </a:p>
+        </p:txBody>
+      </p:sp>
+      <p:sp>
+        <p:nvSpPr>
+          <p:cNvPr id="8" name="文本框 7"/>
+          <p:cNvSpPr txBox="1"/>
+          <p:nvPr/>
+        </p:nvSpPr>
+        <p:spPr>
+          <a:xfrm>
+            <a:off x="21430615" y="8524240"/>
+            <a:ext cx="7224395" cy="368300"/>
+          </a:xfrm>
+          <a:prstGeom prst="rect">
+            <a:avLst/>
+          </a:prstGeom>
+          <a:noFill/>
+        </p:spPr>
+        <p:txBody>
+          <a:bodyPr wrap="square" rtlCol="0">
+            <a:spAutoFit/>
+          </a:bodyPr>
+          <a:p>
+            <a:endParaRPr lang="zh-CN" altLang="en-US"/>
+          </a:p>
+        </p:txBody>
+      </p:sp>
+      <p:pic>
+        <p:nvPicPr>
+          <p:cNvPr id="5" name="图片 4"/>
+          <p:cNvPicPr>
+            <a:picLocks noChangeAspect="1"/>
+          </p:cNvPicPr>
+          <p:nvPr/>
+        </p:nvPicPr>
+        <p:blipFill>
+          <a:blip r:embed="rId1"/>
+          <a:stretch>
+            <a:fillRect/>
+          </a:stretch>
+        </p:blipFill>
+        <p:spPr>
+          <a:xfrm>
+            <a:off x="925830" y="1244600"/>
+            <a:ext cx="5608955" cy="10077450"/>
+          </a:xfrm>
+          <a:prstGeom prst="rect">
+            <a:avLst/>
+          </a:prstGeom>
+        </p:spPr>
+      </p:pic>
+      <p:pic>
+        <p:nvPicPr>
+          <p:cNvPr id="10" name="图片 9"/>
+          <p:cNvPicPr>
+            <a:picLocks noChangeAspect="1"/>
+          </p:cNvPicPr>
+          <p:nvPr/>
+        </p:nvPicPr>
+        <p:blipFill>
+          <a:blip r:embed="rId2"/>
+          <a:stretch>
+            <a:fillRect/>
+          </a:stretch>
+        </p:blipFill>
+        <p:spPr>
+          <a:xfrm>
+            <a:off x="6370320" y="1319530"/>
+            <a:ext cx="6200140" cy="9967595"/>
+          </a:xfrm>
+          <a:prstGeom prst="rect">
+            <a:avLst/>
+          </a:prstGeom>
+        </p:spPr>
+      </p:pic>
+      <p:pic>
+        <p:nvPicPr>
+          <p:cNvPr id="11" name="图片 10"/>
+          <p:cNvPicPr>
+            <a:picLocks noChangeAspect="1"/>
+          </p:cNvPicPr>
+          <p:nvPr/>
+        </p:nvPicPr>
+        <p:blipFill>
+          <a:blip r:embed="rId3"/>
+          <a:stretch>
+            <a:fillRect/>
+          </a:stretch>
+        </p:blipFill>
+        <p:spPr>
+          <a:xfrm>
+            <a:off x="12505055" y="1878330"/>
+            <a:ext cx="3184525" cy="4594860"/>
+          </a:xfrm>
+          <a:prstGeom prst="rect">
+            <a:avLst/>
+          </a:prstGeom>
+        </p:spPr>
+      </p:pic>
+      <p:pic>
+        <p:nvPicPr>
+          <p:cNvPr id="12" name="图片 11"/>
+          <p:cNvPicPr>
+            <a:picLocks noChangeAspect="1"/>
+          </p:cNvPicPr>
+          <p:nvPr/>
+        </p:nvPicPr>
+        <p:blipFill>
+          <a:blip r:embed="rId4"/>
+          <a:stretch>
+            <a:fillRect/>
+          </a:stretch>
+        </p:blipFill>
+        <p:spPr>
+          <a:xfrm>
+            <a:off x="15918180" y="1877695"/>
+            <a:ext cx="5330825" cy="4595495"/>
+          </a:xfrm>
+          <a:prstGeom prst="rect">
+            <a:avLst/>
+          </a:prstGeom>
+        </p:spPr>
+      </p:pic>
+    </p:spTree>
+    <p:custDataLst>
+      <p:tags r:id="rId5"/>
     </p:custDataLst>
   </p:cSld>
   <p:clrMapOvr>
@@ -4976,8 +5365,23 @@
 
 <file path=ppt/tags/tag6.xml><?xml version="1.0" encoding="utf-8"?>
 <p:tagLst xmlns:p="http://schemas.openxmlformats.org/presentationml/2006/main">
+  <p:tag name="KSO_WM_TEMPLATE_CATEGORY" val="preset"/>
+  <p:tag name="KSO_WM_TEMPLATE_INDEX" val="11"/>
+  <p:tag name="KSO_WM_TAG_VERSION" val="1.0"/>
+  <p:tag name="KSO_WM_SLIDE_ID" val="256"/>
+  <p:tag name="KSO_WM_SLIDE_INDEX" val="1"/>
+  <p:tag name="KSO_WM_SLIDE_ITEM_CNT" val="2"/>
+  <p:tag name="KSO_WM_SLIDE_LAYOUT" val="a_b"/>
+  <p:tag name="KSO_WM_SLIDE_LAYOUT_CNT" val="1_1"/>
+  <p:tag name="KSO_WM_SLIDE_TYPE" val="title"/>
+  <p:tag name="KSO_WM_BEAUTIFY_FLAG" val="#wm#"/>
+</p:tagLst>
+</file>
+
+<file path=ppt/tags/tag7.xml><?xml version="1.0" encoding="utf-8"?>
+<p:tagLst xmlns:p="http://schemas.openxmlformats.org/presentationml/2006/main">
   <p:tag name="COMMONDATA" val="eyJoZGlkIjoiOWRhYTQ4MWJhYTY5NDkxMzUyNjRmODllNWQxOTAzMTUifQ=="/>
-  <p:tag name="commondata" val="eyJoZGlkIjoiNGU5YWM2MGEyN2Y1N2MyMzg4YThkNjFlOGVlOGJlYmUifQ=="/>
+  <p:tag name="commondata" val="eyJoZGlkIjoiMTZjYmNhNTQwZDE4ZWFjZTE1NDFkZTAwOGVlYjRkN2IifQ=="/>
 </p:tagLst>
 </file>
 
